--- a/May2023RunChartMarkdown.pptx
+++ b/May2023RunChartMarkdown.pptx
@@ -3830,7 +3830,7 @@
             </a:pPr>
             <a:r>
               <a:rPr/>
-              <a:t>2023-06-25</a:t>
+              <a:t>2023-07-02</a:t>
             </a:r>
           </a:p>
         </p:txBody>
@@ -5106,7 +5106,7 @@
             <a:pPr lvl="0"/>
             <a:r>
               <a:rPr/>
-              <a:t>Each of the three hospitals produce </a:t>
+              <a:t>Each of the three Hospitals produce </a:t>
             </a:r>
             <a:r>
               <a:rPr i="1"/>
@@ -5276,6 +5276,83 @@
                       </a:pPr>
                       <a:r>
                         <a:rPr/>
+                        <a:t>453.6</a:t>
+                      </a:r>
+                    </a:p>
+                  </a:txBody>
+                </a:tc>
+                <a:tc>
+                  <a:txBody>
+                    <a:bodyPr/>
+                    <a:lstStyle/>
+                    <a:p>
+                      <a:pPr lvl="0" indent="0" marL="0" algn="r">
+                        <a:buNone/>
+                      </a:pPr>
+                      <a:r>
+                        <a:rPr/>
+                        <a:t>37.8</a:t>
+                      </a:r>
+                    </a:p>
+                  </a:txBody>
+                </a:tc>
+                <a:tc>
+                  <a:txBody>
+                    <a:bodyPr/>
+                    <a:lstStyle/>
+                    <a:p>
+                      <a:pPr lvl="0" indent="0" marL="0" algn="r">
+                        <a:buNone/>
+                      </a:pPr>
+                      <a:r>
+                        <a:rPr/>
+                        <a:t>36.5</a:t>
+                      </a:r>
+                    </a:p>
+                  </a:txBody>
+                </a:tc>
+              </a:tr>
+              <a:tr h="0">
+                <a:tc>
+                  <a:txBody>
+                    <a:bodyPr/>
+                    <a:lstStyle/>
+                    <a:p>
+                      <a:pPr lvl="0" indent="0" marL="0" algn="l">
+                        <a:buNone/>
+                      </a:pPr>
+                      <a:r>
+                        <a:rPr/>
+                        <a:t>A</a:t>
+                      </a:r>
+                    </a:p>
+                  </a:txBody>
+                </a:tc>
+                <a:tc>
+                  <a:txBody>
+                    <a:bodyPr/>
+                    <a:lstStyle/>
+                    <a:p>
+                      <a:pPr lvl="0" indent="0" marL="0" algn="l">
+                        <a:buNone/>
+                      </a:pPr>
+                      <a:r>
+                        <a:rPr/>
+                        <a:t>2022</a:t>
+                      </a:r>
+                    </a:p>
+                  </a:txBody>
+                </a:tc>
+                <a:tc>
+                  <a:txBody>
+                    <a:bodyPr/>
+                    <a:lstStyle/>
+                    <a:p>
+                      <a:pPr lvl="0" indent="0" marL="0" algn="r">
+                        <a:buNone/>
+                      </a:pPr>
+                      <a:r>
+                        <a:rPr/>
                         <a:t>864.0</a:t>
                       </a:r>
                     </a:p>
@@ -5323,7 +5400,7 @@
                       </a:pPr>
                       <a:r>
                         <a:rPr/>
-                        <a:t>A</a:t>
+                        <a:t>B</a:t>
                       </a:r>
                     </a:p>
                   </a:txBody>
@@ -5338,7 +5415,7 @@
                       </a:pPr>
                       <a:r>
                         <a:rPr/>
-                        <a:t>2022</a:t>
+                        <a:t>2021</a:t>
                       </a:r>
                     </a:p>
                   </a:txBody>
@@ -5415,7 +5492,7 @@
                       </a:pPr>
                       <a:r>
                         <a:rPr/>
-                        <a:t>2021</a:t>
+                        <a:t>2022</a:t>
                       </a:r>
                     </a:p>
                   </a:txBody>
@@ -5477,7 +5554,7 @@
                       </a:pPr>
                       <a:r>
                         <a:rPr/>
-                        <a:t>B</a:t>
+                        <a:t>C</a:t>
                       </a:r>
                     </a:p>
                   </a:txBody>
@@ -5492,7 +5569,7 @@
                       </a:pPr>
                       <a:r>
                         <a:rPr/>
-                        <a:t>2022</a:t>
+                        <a:t>2021</a:t>
                       </a:r>
                     </a:p>
                   </a:txBody>
@@ -5569,7 +5646,7 @@
                       </a:pPr>
                       <a:r>
                         <a:rPr/>
-                        <a:t>2021</a:t>
+                        <a:t>2022</a:t>
                       </a:r>
                     </a:p>
                   </a:txBody>
@@ -5615,83 +5692,6 @@
                       <a:r>
                         <a:rPr/>
                         <a:t>71.0</a:t>
-                      </a:r>
-                    </a:p>
-                  </a:txBody>
-                </a:tc>
-              </a:tr>
-              <a:tr h="0">
-                <a:tc>
-                  <a:txBody>
-                    <a:bodyPr/>
-                    <a:lstStyle/>
-                    <a:p>
-                      <a:pPr lvl="0" indent="0" marL="0" algn="l">
-                        <a:buNone/>
-                      </a:pPr>
-                      <a:r>
-                        <a:rPr/>
-                        <a:t>C</a:t>
-                      </a:r>
-                    </a:p>
-                  </a:txBody>
-                </a:tc>
-                <a:tc>
-                  <a:txBody>
-                    <a:bodyPr/>
-                    <a:lstStyle/>
-                    <a:p>
-                      <a:pPr lvl="0" indent="0" marL="0" algn="l">
-                        <a:buNone/>
-                      </a:pPr>
-                      <a:r>
-                        <a:rPr/>
-                        <a:t>2022</a:t>
-                      </a:r>
-                    </a:p>
-                  </a:txBody>
-                </a:tc>
-                <a:tc>
-                  <a:txBody>
-                    <a:bodyPr/>
-                    <a:lstStyle/>
-                    <a:p>
-                      <a:pPr lvl="0" indent="0" marL="0" algn="r">
-                        <a:buNone/>
-                      </a:pPr>
-                      <a:r>
-                        <a:rPr/>
-                        <a:t>453.6</a:t>
-                      </a:r>
-                    </a:p>
-                  </a:txBody>
-                </a:tc>
-                <a:tc>
-                  <a:txBody>
-                    <a:bodyPr/>
-                    <a:lstStyle/>
-                    <a:p>
-                      <a:pPr lvl="0" indent="0" marL="0" algn="r">
-                        <a:buNone/>
-                      </a:pPr>
-                      <a:r>
-                        <a:rPr/>
-                        <a:t>37.8</a:t>
-                      </a:r>
-                    </a:p>
-                  </a:txBody>
-                </a:tc>
-                <a:tc>
-                  <a:txBody>
-                    <a:bodyPr/>
-                    <a:lstStyle/>
-                    <a:p>
-                      <a:pPr lvl="0" indent="0" marL="0" algn="r">
-                        <a:buNone/>
-                      </a:pPr>
-                      <a:r>
-                        <a:rPr/>
-                        <a:t>36.5</a:t>
                       </a:r>
                     </a:p>
                   </a:txBody>
